--- a/Marriott Lecture App Dev Section.pptx
+++ b/Marriott Lecture App Dev Section.pptx
@@ -25,14 +25,16 @@
     <p:sldId id="270" r:id="rId20"/>
     <p:sldId id="271" r:id="rId21"/>
     <p:sldId id="272" r:id="rId22"/>
+    <p:sldId id="273" r:id="rId23"/>
+    <p:sldId id="274" r:id="rId24"/>
   </p:sldIdLst>
   <p:sldSz cy="5143500" cx="9144000"/>
   <p:notesSz cx="6858000" cy="9144000"/>
   <p:embeddedFontLst>
     <p:embeddedFont>
       <p:font typeface="Tahoma"/>
-      <p:regular r:id="rId23"/>
-      <p:bold r:id="rId24"/>
+      <p:regular r:id="rId25"/>
+      <p:bold r:id="rId26"/>
     </p:embeddedFont>
   </p:embeddedFontLst>
   <p:defaultTextStyle>
@@ -1419,7 +1421,7 @@
       </p:grpSpPr>
       <p:sp>
         <p:nvSpPr>
-          <p:cNvPr id="225" name="Google Shape;225;g582b9d4df9_0_310:notes"/>
+          <p:cNvPr id="225" name="Google Shape;225;g582b9d4df9_0_323:notes"/>
           <p:cNvSpPr/>
           <p:nvPr>
             <p:ph idx="2" type="sldImg"/>
@@ -1454,7 +1456,7 @@
       </p:sp>
       <p:sp>
         <p:nvSpPr>
-          <p:cNvPr id="226" name="Google Shape;226;g582b9d4df9_0_310:notes"/>
+          <p:cNvPr id="226" name="Google Shape;226;g582b9d4df9_0_323:notes"/>
           <p:cNvSpPr txBox="1"/>
           <p:nvPr>
             <p:ph idx="1" type="body"/>
@@ -1504,7 +1506,7 @@
   <p:cSld>
     <p:spTree>
       <p:nvGrpSpPr>
-        <p:cNvPr id="230" name="Shape 230"/>
+        <p:cNvPr id="231" name="Shape 231"/>
         <p:cNvGrpSpPr/>
         <p:nvPr/>
       </p:nvGrpSpPr>
@@ -1518,7 +1520,7 @@
       </p:grpSpPr>
       <p:sp>
         <p:nvSpPr>
-          <p:cNvPr id="231" name="Google Shape;231;g582b9d4df9_0_317:notes"/>
+          <p:cNvPr id="232" name="Google Shape;232;g582b9d4df9_0_328:notes"/>
           <p:cNvSpPr/>
           <p:nvPr>
             <p:ph idx="2" type="sldImg"/>
@@ -1553,7 +1555,205 @@
       </p:sp>
       <p:sp>
         <p:nvSpPr>
-          <p:cNvPr id="232" name="Google Shape;232;g582b9d4df9_0_317:notes"/>
+          <p:cNvPr id="233" name="Google Shape;233;g582b9d4df9_0_328:notes"/>
+          <p:cNvSpPr txBox="1"/>
+          <p:nvPr>
+            <p:ph idx="1" type="body"/>
+          </p:nvPr>
+        </p:nvSpPr>
+        <p:spPr>
+          <a:xfrm>
+            <a:off x="685800" y="4343400"/>
+            <a:ext cx="5486400" cy="4114800"/>
+          </a:xfrm>
+          <a:prstGeom prst="rect">
+            <a:avLst/>
+          </a:prstGeom>
+        </p:spPr>
+        <p:txBody>
+          <a:bodyPr anchorCtr="0" anchor="t" bIns="91425" lIns="91425" spcFirstLastPara="1" rIns="91425" wrap="square" tIns="91425">
+            <a:noAutofit/>
+          </a:bodyPr>
+          <a:lstStyle/>
+          <a:p>
+            <a:pPr indent="0" lvl="0" marL="0" rtl="0" algn="l">
+              <a:spcBef>
+                <a:spcPts val="0"/>
+              </a:spcBef>
+              <a:spcAft>
+                <a:spcPts val="0"/>
+              </a:spcAft>
+              <a:buNone/>
+            </a:pPr>
+            <a:r>
+              <a:t/>
+            </a:r>
+            <a:endParaRPr/>
+          </a:p>
+        </p:txBody>
+      </p:sp>
+    </p:spTree>
+  </p:cSld>
+  <p:clrMapOvr>
+    <a:masterClrMapping/>
+  </p:clrMapOvr>
+</p:notes>
+</file>
+
+<file path=ppt/notesSlides/notesSlide18.xml><?xml version="1.0" encoding="utf-8"?>
+<p:notes xmlns:a="http://schemas.openxmlformats.org/drawingml/2006/main" xmlns:r="http://schemas.openxmlformats.org/officeDocument/2006/relationships" xmlns:mc="http://schemas.openxmlformats.org/markup-compatibility/2006" xmlns:mv="urn:schemas-microsoft-com:mac:vml" xmlns:p="http://schemas.openxmlformats.org/presentationml/2006/main" xmlns:c="http://schemas.openxmlformats.org/drawingml/2006/chart" xmlns:dgm="http://schemas.openxmlformats.org/drawingml/2006/diagram" xmlns:o="urn:schemas-microsoft-com:office:office" xmlns:v="urn:schemas-microsoft-com:vml" xmlns:pvml="urn:schemas-microsoft-com:office:powerpoint" xmlns:com="http://schemas.openxmlformats.org/drawingml/2006/compatibility" xmlns:p14="http://schemas.microsoft.com/office/powerpoint/2010/main" xmlns:p15="http://schemas.microsoft.com/office/powerpoint/2012/main" showMasterPhAnim="0" showMasterSp="0">
+  <p:cSld>
+    <p:spTree>
+      <p:nvGrpSpPr>
+        <p:cNvPr id="250" name="Shape 250"/>
+        <p:cNvGrpSpPr/>
+        <p:nvPr/>
+      </p:nvGrpSpPr>
+      <p:grpSpPr>
+        <a:xfrm>
+          <a:off x="0" y="0"/>
+          <a:ext cx="0" cy="0"/>
+          <a:chOff x="0" y="0"/>
+          <a:chExt cx="0" cy="0"/>
+        </a:xfrm>
+      </p:grpSpPr>
+      <p:sp>
+        <p:nvSpPr>
+          <p:cNvPr id="251" name="Google Shape;251;g582b9d4df9_0_310:notes"/>
+          <p:cNvSpPr/>
+          <p:nvPr>
+            <p:ph idx="2" type="sldImg"/>
+          </p:nvPr>
+        </p:nvSpPr>
+        <p:spPr>
+          <a:xfrm>
+            <a:off x="381300" y="685800"/>
+            <a:ext cx="6096000" cy="3429000"/>
+          </a:xfrm>
+          <a:custGeom>
+            <a:rect b="b" l="l" r="r" t="t"/>
+            <a:pathLst>
+              <a:path extrusionOk="0" h="120000" w="120000">
+                <a:moveTo>
+                  <a:pt x="0" y="0"/>
+                </a:moveTo>
+                <a:lnTo>
+                  <a:pt x="120000" y="0"/>
+                </a:lnTo>
+                <a:lnTo>
+                  <a:pt x="120000" y="120000"/>
+                </a:lnTo>
+                <a:lnTo>
+                  <a:pt x="0" y="120000"/>
+                </a:lnTo>
+                <a:close/>
+              </a:path>
+            </a:pathLst>
+          </a:custGeom>
+        </p:spPr>
+      </p:sp>
+      <p:sp>
+        <p:nvSpPr>
+          <p:cNvPr id="252" name="Google Shape;252;g582b9d4df9_0_310:notes"/>
+          <p:cNvSpPr txBox="1"/>
+          <p:nvPr>
+            <p:ph idx="1" type="body"/>
+          </p:nvPr>
+        </p:nvSpPr>
+        <p:spPr>
+          <a:xfrm>
+            <a:off x="685800" y="4343400"/>
+            <a:ext cx="5486400" cy="4114800"/>
+          </a:xfrm>
+          <a:prstGeom prst="rect">
+            <a:avLst/>
+          </a:prstGeom>
+        </p:spPr>
+        <p:txBody>
+          <a:bodyPr anchorCtr="0" anchor="t" bIns="91425" lIns="91425" spcFirstLastPara="1" rIns="91425" wrap="square" tIns="91425">
+            <a:noAutofit/>
+          </a:bodyPr>
+          <a:lstStyle/>
+          <a:p>
+            <a:pPr indent="0" lvl="0" marL="0" rtl="0" algn="l">
+              <a:spcBef>
+                <a:spcPts val="0"/>
+              </a:spcBef>
+              <a:spcAft>
+                <a:spcPts val="0"/>
+              </a:spcAft>
+              <a:buNone/>
+            </a:pPr>
+            <a:r>
+              <a:t/>
+            </a:r>
+            <a:endParaRPr/>
+          </a:p>
+        </p:txBody>
+      </p:sp>
+    </p:spTree>
+  </p:cSld>
+  <p:clrMapOvr>
+    <a:masterClrMapping/>
+  </p:clrMapOvr>
+</p:notes>
+</file>
+
+<file path=ppt/notesSlides/notesSlide19.xml><?xml version="1.0" encoding="utf-8"?>
+<p:notes xmlns:a="http://schemas.openxmlformats.org/drawingml/2006/main" xmlns:r="http://schemas.openxmlformats.org/officeDocument/2006/relationships" xmlns:mc="http://schemas.openxmlformats.org/markup-compatibility/2006" xmlns:mv="urn:schemas-microsoft-com:mac:vml" xmlns:p="http://schemas.openxmlformats.org/presentationml/2006/main" xmlns:c="http://schemas.openxmlformats.org/drawingml/2006/chart" xmlns:dgm="http://schemas.openxmlformats.org/drawingml/2006/diagram" xmlns:o="urn:schemas-microsoft-com:office:office" xmlns:v="urn:schemas-microsoft-com:vml" xmlns:pvml="urn:schemas-microsoft-com:office:powerpoint" xmlns:com="http://schemas.openxmlformats.org/drawingml/2006/compatibility" xmlns:p14="http://schemas.microsoft.com/office/powerpoint/2010/main" xmlns:p15="http://schemas.microsoft.com/office/powerpoint/2012/main" showMasterPhAnim="0" showMasterSp="0">
+  <p:cSld>
+    <p:spTree>
+      <p:nvGrpSpPr>
+        <p:cNvPr id="256" name="Shape 256"/>
+        <p:cNvGrpSpPr/>
+        <p:nvPr/>
+      </p:nvGrpSpPr>
+      <p:grpSpPr>
+        <a:xfrm>
+          <a:off x="0" y="0"/>
+          <a:ext cx="0" cy="0"/>
+          <a:chOff x="0" y="0"/>
+          <a:chExt cx="0" cy="0"/>
+        </a:xfrm>
+      </p:grpSpPr>
+      <p:sp>
+        <p:nvSpPr>
+          <p:cNvPr id="257" name="Google Shape;257;g582b9d4df9_0_317:notes"/>
+          <p:cNvSpPr/>
+          <p:nvPr>
+            <p:ph idx="2" type="sldImg"/>
+          </p:nvPr>
+        </p:nvSpPr>
+        <p:spPr>
+          <a:xfrm>
+            <a:off x="381300" y="685800"/>
+            <a:ext cx="6096000" cy="3429000"/>
+          </a:xfrm>
+          <a:custGeom>
+            <a:rect b="b" l="l" r="r" t="t"/>
+            <a:pathLst>
+              <a:path extrusionOk="0" h="120000" w="120000">
+                <a:moveTo>
+                  <a:pt x="0" y="0"/>
+                </a:moveTo>
+                <a:lnTo>
+                  <a:pt x="120000" y="0"/>
+                </a:lnTo>
+                <a:lnTo>
+                  <a:pt x="120000" y="120000"/>
+                </a:lnTo>
+                <a:lnTo>
+                  <a:pt x="0" y="120000"/>
+                </a:lnTo>
+                <a:close/>
+              </a:path>
+            </a:pathLst>
+          </a:custGeom>
+        </p:spPr>
+      </p:sp>
+      <p:sp>
+        <p:nvSpPr>
+          <p:cNvPr id="258" name="Google Shape;258;g582b9d4df9_0_317:notes"/>
           <p:cNvSpPr txBox="1"/>
           <p:nvPr>
             <p:ph idx="1" type="body"/>
@@ -19873,6 +20073,814 @@
             </a:pPr>
             <a:r>
               <a:rPr lang="en-GB"/>
+              <a:t>DynamoDB</a:t>
+            </a:r>
+            <a:endParaRPr/>
+          </a:p>
+        </p:txBody>
+      </p:sp>
+      <p:sp>
+        <p:nvSpPr>
+          <p:cNvPr id="229" name="Google Shape;229;p30"/>
+          <p:cNvSpPr txBox="1"/>
+          <p:nvPr>
+            <p:ph idx="1" type="body"/>
+          </p:nvPr>
+        </p:nvSpPr>
+        <p:spPr>
+          <a:xfrm>
+            <a:off x="457200" y="1200150"/>
+            <a:ext cx="8229600" cy="687000"/>
+          </a:xfrm>
+          <a:prstGeom prst="rect">
+            <a:avLst/>
+          </a:prstGeom>
+        </p:spPr>
+        <p:txBody>
+          <a:bodyPr anchorCtr="0" anchor="t" bIns="45700" lIns="91425" spcFirstLastPara="1" rIns="91425" wrap="square" tIns="45700">
+            <a:noAutofit/>
+          </a:bodyPr>
+          <a:lstStyle/>
+          <a:p>
+            <a:pPr indent="0" lvl="0" marL="0" rtl="0" algn="l">
+              <a:spcBef>
+                <a:spcPts val="560"/>
+              </a:spcBef>
+              <a:spcAft>
+                <a:spcPts val="0"/>
+              </a:spcAft>
+              <a:buNone/>
+            </a:pPr>
+            <a:r>
+              <a:rPr b="1" lang="en-GB" sz="1400">
+                <a:solidFill>
+                  <a:srgbClr val="232F3E"/>
+                </a:solidFill>
+                <a:latin typeface="Arial"/>
+                <a:ea typeface="Arial"/>
+                <a:cs typeface="Arial"/>
+                <a:sym typeface="Arial"/>
+              </a:rPr>
+              <a:t>Amazon DynamoDB</a:t>
+            </a:r>
+            <a:r>
+              <a:rPr lang="en-GB" sz="1400">
+                <a:solidFill>
+                  <a:srgbClr val="232F3E"/>
+                </a:solidFill>
+                <a:latin typeface="Arial"/>
+                <a:ea typeface="Arial"/>
+                <a:cs typeface="Arial"/>
+                <a:sym typeface="Arial"/>
+              </a:rPr>
+              <a:t> is a key-value and document NoSQL database that delivers single-digit millisecond performance at any scale.</a:t>
+            </a:r>
+            <a:endParaRPr sz="1400"/>
+          </a:p>
+        </p:txBody>
+      </p:sp>
+      <p:pic>
+        <p:nvPicPr>
+          <p:cNvPr id="230" name="Google Shape;230;p30"/>
+          <p:cNvPicPr preferRelativeResize="0"/>
+          <p:nvPr/>
+        </p:nvPicPr>
+        <p:blipFill>
+          <a:blip r:embed="rId3">
+            <a:alphaModFix/>
+          </a:blip>
+          <a:stretch>
+            <a:fillRect/>
+          </a:stretch>
+        </p:blipFill>
+        <p:spPr>
+          <a:xfrm>
+            <a:off x="566500" y="1887150"/>
+            <a:ext cx="6172199" cy="3132478"/>
+          </a:xfrm>
+          <a:prstGeom prst="rect">
+            <a:avLst/>
+          </a:prstGeom>
+          <a:noFill/>
+          <a:ln>
+            <a:noFill/>
+          </a:ln>
+        </p:spPr>
+      </p:pic>
+    </p:spTree>
+  </p:cSld>
+  <p:clrMapOvr>
+    <a:masterClrMapping/>
+  </p:clrMapOvr>
+</p:sld>
+</file>
+
+<file path=ppt/slides/slide17.xml><?xml version="1.0" encoding="utf-8"?>
+<p:sld xmlns:a="http://schemas.openxmlformats.org/drawingml/2006/main" xmlns:r="http://schemas.openxmlformats.org/officeDocument/2006/relationships" xmlns:mc="http://schemas.openxmlformats.org/markup-compatibility/2006" xmlns:mv="urn:schemas-microsoft-com:mac:vml" xmlns:p="http://schemas.openxmlformats.org/presentationml/2006/main" xmlns:c="http://schemas.openxmlformats.org/drawingml/2006/chart" xmlns:dgm="http://schemas.openxmlformats.org/drawingml/2006/diagram" xmlns:o="urn:schemas-microsoft-com:office:office" xmlns:v="urn:schemas-microsoft-com:vml" xmlns:pvml="urn:schemas-microsoft-com:office:powerpoint" xmlns:com="http://schemas.openxmlformats.org/drawingml/2006/compatibility" xmlns:p14="http://schemas.microsoft.com/office/powerpoint/2010/main" xmlns:p15="http://schemas.microsoft.com/office/powerpoint/2012/main">
+  <p:cSld>
+    <p:spTree>
+      <p:nvGrpSpPr>
+        <p:cNvPr id="234" name="Shape 234"/>
+        <p:cNvGrpSpPr/>
+        <p:nvPr/>
+      </p:nvGrpSpPr>
+      <p:grpSpPr>
+        <a:xfrm>
+          <a:off x="0" y="0"/>
+          <a:ext cx="0" cy="0"/>
+          <a:chOff x="0" y="0"/>
+          <a:chExt cx="0" cy="0"/>
+        </a:xfrm>
+      </p:grpSpPr>
+      <p:sp>
+        <p:nvSpPr>
+          <p:cNvPr id="235" name="Google Shape;235;p31"/>
+          <p:cNvSpPr txBox="1"/>
+          <p:nvPr>
+            <p:ph type="title"/>
+          </p:nvPr>
+        </p:nvSpPr>
+        <p:spPr>
+          <a:xfrm>
+            <a:off x="1447800" y="0"/>
+            <a:ext cx="6172200" cy="628500"/>
+          </a:xfrm>
+          <a:prstGeom prst="rect">
+            <a:avLst/>
+          </a:prstGeom>
+        </p:spPr>
+        <p:txBody>
+          <a:bodyPr anchorCtr="0" anchor="ctr" bIns="46025" lIns="92075" spcFirstLastPara="1" rIns="92075" wrap="square" tIns="46025">
+            <a:noAutofit/>
+          </a:bodyPr>
+          <a:lstStyle/>
+          <a:p>
+            <a:pPr indent="0" lvl="0" marL="0" rtl="0" algn="ctr">
+              <a:spcBef>
+                <a:spcPts val="0"/>
+              </a:spcBef>
+              <a:spcAft>
+                <a:spcPts val="0"/>
+              </a:spcAft>
+              <a:buNone/>
+            </a:pPr>
+            <a:r>
+              <a:rPr lang="en-GB"/>
+              <a:t>IFTTT</a:t>
+            </a:r>
+            <a:endParaRPr/>
+          </a:p>
+        </p:txBody>
+      </p:sp>
+      <p:pic>
+        <p:nvPicPr>
+          <p:cNvPr id="236" name="Google Shape;236;p31"/>
+          <p:cNvPicPr preferRelativeResize="0"/>
+          <p:nvPr/>
+        </p:nvPicPr>
+        <p:blipFill>
+          <a:blip r:embed="rId3">
+            <a:alphaModFix/>
+          </a:blip>
+          <a:stretch>
+            <a:fillRect/>
+          </a:stretch>
+        </p:blipFill>
+        <p:spPr>
+          <a:xfrm>
+            <a:off x="457200" y="1200150"/>
+            <a:ext cx="3866300" cy="1468125"/>
+          </a:xfrm>
+          <a:prstGeom prst="rect">
+            <a:avLst/>
+          </a:prstGeom>
+          <a:noFill/>
+          <a:ln>
+            <a:noFill/>
+          </a:ln>
+        </p:spPr>
+      </p:pic>
+      <p:pic>
+        <p:nvPicPr>
+          <p:cNvPr id="237" name="Google Shape;237;p31"/>
+          <p:cNvPicPr preferRelativeResize="0"/>
+          <p:nvPr/>
+        </p:nvPicPr>
+        <p:blipFill>
+          <a:blip r:embed="rId4">
+            <a:alphaModFix/>
+          </a:blip>
+          <a:stretch>
+            <a:fillRect/>
+          </a:stretch>
+        </p:blipFill>
+        <p:spPr>
+          <a:xfrm>
+            <a:off x="4323500" y="1200145"/>
+            <a:ext cx="4303825" cy="2548175"/>
+          </a:xfrm>
+          <a:prstGeom prst="rect">
+            <a:avLst/>
+          </a:prstGeom>
+          <a:noFill/>
+          <a:ln>
+            <a:noFill/>
+          </a:ln>
+        </p:spPr>
+      </p:pic>
+      <p:sp>
+        <p:nvSpPr>
+          <p:cNvPr id="238" name="Google Shape;238;p31"/>
+          <p:cNvSpPr txBox="1"/>
+          <p:nvPr/>
+        </p:nvSpPr>
+        <p:spPr>
+          <a:xfrm>
+            <a:off x="533600" y="2668275"/>
+            <a:ext cx="3789900" cy="931500"/>
+          </a:xfrm>
+          <a:prstGeom prst="rect">
+            <a:avLst/>
+          </a:prstGeom>
+          <a:noFill/>
+          <a:ln>
+            <a:noFill/>
+          </a:ln>
+        </p:spPr>
+        <p:txBody>
+          <a:bodyPr anchorCtr="0" anchor="t" bIns="91425" lIns="91425" spcFirstLastPara="1" rIns="91425" wrap="square" tIns="91425">
+            <a:noAutofit/>
+          </a:bodyPr>
+          <a:lstStyle/>
+          <a:p>
+            <a:pPr indent="0" lvl="0" marL="0" rtl="0" algn="l">
+              <a:spcBef>
+                <a:spcPts val="0"/>
+              </a:spcBef>
+              <a:spcAft>
+                <a:spcPts val="0"/>
+              </a:spcAft>
+              <a:buNone/>
+            </a:pPr>
+            <a:r>
+              <a:rPr b="1" lang="en-GB" sz="1050">
+                <a:solidFill>
+                  <a:srgbClr val="222222"/>
+                </a:solidFill>
+                <a:highlight>
+                  <a:srgbClr val="FFFFFF"/>
+                </a:highlight>
+              </a:rPr>
+              <a:t>Key Idea: </a:t>
+            </a:r>
+            <a:r>
+              <a:rPr lang="en-GB" sz="1050">
+                <a:solidFill>
+                  <a:srgbClr val="222222"/>
+                </a:solidFill>
+                <a:highlight>
+                  <a:srgbClr val="FFFFFF"/>
+                </a:highlight>
+              </a:rPr>
+              <a:t>An applet is triggered by changes that occur within other web services.</a:t>
+            </a:r>
+            <a:endParaRPr sz="1050">
+              <a:solidFill>
+                <a:srgbClr val="222222"/>
+              </a:solidFill>
+              <a:highlight>
+                <a:srgbClr val="FFFFFF"/>
+              </a:highlight>
+            </a:endParaRPr>
+          </a:p>
+          <a:p>
+            <a:pPr indent="0" lvl="0" marL="0" rtl="0" algn="l">
+              <a:spcBef>
+                <a:spcPts val="0"/>
+              </a:spcBef>
+              <a:spcAft>
+                <a:spcPts val="0"/>
+              </a:spcAft>
+              <a:buNone/>
+            </a:pPr>
+            <a:r>
+              <a:t/>
+            </a:r>
+            <a:endParaRPr sz="1050">
+              <a:solidFill>
+                <a:srgbClr val="222222"/>
+              </a:solidFill>
+              <a:highlight>
+                <a:srgbClr val="FFFFFF"/>
+              </a:highlight>
+            </a:endParaRPr>
+          </a:p>
+          <a:p>
+            <a:pPr indent="0" lvl="0" marL="0" rtl="0" algn="l">
+              <a:spcBef>
+                <a:spcPts val="0"/>
+              </a:spcBef>
+              <a:spcAft>
+                <a:spcPts val="0"/>
+              </a:spcAft>
+              <a:buNone/>
+            </a:pPr>
+            <a:r>
+              <a:rPr lang="en-GB" sz="1050">
+                <a:solidFill>
+                  <a:srgbClr val="222222"/>
+                </a:solidFill>
+                <a:highlight>
+                  <a:srgbClr val="FFFFFF"/>
+                </a:highlight>
+              </a:rPr>
+              <a:t>How to trigger an email notification from an Alexa based service?</a:t>
+            </a:r>
+            <a:endParaRPr sz="1050">
+              <a:solidFill>
+                <a:srgbClr val="222222"/>
+              </a:solidFill>
+              <a:highlight>
+                <a:srgbClr val="FFFFFF"/>
+              </a:highlight>
+            </a:endParaRPr>
+          </a:p>
+          <a:p>
+            <a:pPr indent="0" lvl="0" marL="0" rtl="0" algn="l">
+              <a:spcBef>
+                <a:spcPts val="0"/>
+              </a:spcBef>
+              <a:spcAft>
+                <a:spcPts val="0"/>
+              </a:spcAft>
+              <a:buNone/>
+            </a:pPr>
+            <a:r>
+              <a:t/>
+            </a:r>
+            <a:endParaRPr sz="1050">
+              <a:solidFill>
+                <a:srgbClr val="222222"/>
+              </a:solidFill>
+              <a:highlight>
+                <a:srgbClr val="FFFFFF"/>
+              </a:highlight>
+            </a:endParaRPr>
+          </a:p>
+          <a:p>
+            <a:pPr indent="0" lvl="0" marL="0" rtl="0" algn="l">
+              <a:spcBef>
+                <a:spcPts val="0"/>
+              </a:spcBef>
+              <a:spcAft>
+                <a:spcPts val="0"/>
+              </a:spcAft>
+              <a:buNone/>
+            </a:pPr>
+            <a:r>
+              <a:t/>
+            </a:r>
+            <a:endParaRPr sz="1050">
+              <a:solidFill>
+                <a:srgbClr val="222222"/>
+              </a:solidFill>
+              <a:highlight>
+                <a:srgbClr val="FFFFFF"/>
+              </a:highlight>
+            </a:endParaRPr>
+          </a:p>
+        </p:txBody>
+      </p:sp>
+      <p:pic>
+        <p:nvPicPr>
+          <p:cNvPr id="239" name="Google Shape;239;p31"/>
+          <p:cNvPicPr preferRelativeResize="0"/>
+          <p:nvPr/>
+        </p:nvPicPr>
+        <p:blipFill>
+          <a:blip r:embed="rId5">
+            <a:alphaModFix/>
+          </a:blip>
+          <a:stretch>
+            <a:fillRect/>
+          </a:stretch>
+        </p:blipFill>
+        <p:spPr>
+          <a:xfrm flipH="1">
+            <a:off x="645600" y="3748325"/>
+            <a:ext cx="981525" cy="981525"/>
+          </a:xfrm>
+          <a:prstGeom prst="rect">
+            <a:avLst/>
+          </a:prstGeom>
+          <a:noFill/>
+          <a:ln>
+            <a:noFill/>
+          </a:ln>
+        </p:spPr>
+      </p:pic>
+      <p:pic>
+        <p:nvPicPr>
+          <p:cNvPr id="240" name="Google Shape;240;p31"/>
+          <p:cNvPicPr preferRelativeResize="0"/>
+          <p:nvPr/>
+        </p:nvPicPr>
+        <p:blipFill>
+          <a:blip r:embed="rId6">
+            <a:alphaModFix/>
+          </a:blip>
+          <a:stretch>
+            <a:fillRect/>
+          </a:stretch>
+        </p:blipFill>
+        <p:spPr>
+          <a:xfrm>
+            <a:off x="1668688" y="3859175"/>
+            <a:ext cx="1519724" cy="759850"/>
+          </a:xfrm>
+          <a:prstGeom prst="rect">
+            <a:avLst/>
+          </a:prstGeom>
+          <a:noFill/>
+          <a:ln>
+            <a:noFill/>
+          </a:ln>
+        </p:spPr>
+      </p:pic>
+      <p:pic>
+        <p:nvPicPr>
+          <p:cNvPr id="241" name="Google Shape;241;p31"/>
+          <p:cNvPicPr preferRelativeResize="0"/>
+          <p:nvPr/>
+        </p:nvPicPr>
+        <p:blipFill>
+          <a:blip r:embed="rId7">
+            <a:alphaModFix/>
+          </a:blip>
+          <a:stretch>
+            <a:fillRect/>
+          </a:stretch>
+        </p:blipFill>
+        <p:spPr>
+          <a:xfrm>
+            <a:off x="3810163" y="3811112"/>
+            <a:ext cx="761826" cy="855975"/>
+          </a:xfrm>
+          <a:prstGeom prst="rect">
+            <a:avLst/>
+          </a:prstGeom>
+          <a:noFill/>
+          <a:ln>
+            <a:noFill/>
+          </a:ln>
+        </p:spPr>
+      </p:pic>
+      <p:cxnSp>
+        <p:nvCxnSpPr>
+          <p:cNvPr id="242" name="Google Shape;242;p31"/>
+          <p:cNvCxnSpPr>
+            <a:endCxn id="241" idx="1"/>
+          </p:cNvCxnSpPr>
+          <p:nvPr/>
+        </p:nvCxnSpPr>
+        <p:spPr>
+          <a:xfrm flipH="1" rot="10800000">
+            <a:off x="2866363" y="4239100"/>
+            <a:ext cx="943800" cy="19500"/>
+          </a:xfrm>
+          <a:prstGeom prst="straightConnector1">
+            <a:avLst/>
+          </a:prstGeom>
+          <a:noFill/>
+          <a:ln cap="flat" cmpd="sng" w="9525">
+            <a:solidFill>
+              <a:schemeClr val="dk2"/>
+            </a:solidFill>
+            <a:prstDash val="solid"/>
+            <a:round/>
+            <a:headEnd len="med" w="med" type="none"/>
+            <a:tailEnd len="med" w="med" type="triangle"/>
+          </a:ln>
+        </p:spPr>
+      </p:cxnSp>
+      <p:cxnSp>
+        <p:nvCxnSpPr>
+          <p:cNvPr id="243" name="Google Shape;243;p31"/>
+          <p:cNvCxnSpPr/>
+          <p:nvPr/>
+        </p:nvCxnSpPr>
+        <p:spPr>
+          <a:xfrm>
+            <a:off x="1377525" y="4218825"/>
+            <a:ext cx="652800" cy="7800"/>
+          </a:xfrm>
+          <a:prstGeom prst="straightConnector1">
+            <a:avLst/>
+          </a:prstGeom>
+          <a:noFill/>
+          <a:ln cap="flat" cmpd="sng" w="9525">
+            <a:solidFill>
+              <a:schemeClr val="dk2"/>
+            </a:solidFill>
+            <a:prstDash val="solid"/>
+            <a:round/>
+            <a:headEnd len="med" w="med" type="none"/>
+            <a:tailEnd len="med" w="med" type="triangle"/>
+          </a:ln>
+        </p:spPr>
+      </p:cxnSp>
+      <p:pic>
+        <p:nvPicPr>
+          <p:cNvPr id="244" name="Google Shape;244;p31"/>
+          <p:cNvPicPr preferRelativeResize="0"/>
+          <p:nvPr/>
+        </p:nvPicPr>
+        <p:blipFill>
+          <a:blip r:embed="rId8">
+            <a:alphaModFix/>
+          </a:blip>
+          <a:stretch>
+            <a:fillRect/>
+          </a:stretch>
+        </p:blipFill>
+        <p:spPr>
+          <a:xfrm>
+            <a:off x="5342050" y="3816377"/>
+            <a:ext cx="812700" cy="812700"/>
+          </a:xfrm>
+          <a:prstGeom prst="rect">
+            <a:avLst/>
+          </a:prstGeom>
+          <a:noFill/>
+          <a:ln>
+            <a:noFill/>
+          </a:ln>
+        </p:spPr>
+      </p:pic>
+      <p:cxnSp>
+        <p:nvCxnSpPr>
+          <p:cNvPr id="245" name="Google Shape;245;p31"/>
+          <p:cNvCxnSpPr>
+            <a:stCxn id="241" idx="3"/>
+            <a:endCxn id="244" idx="1"/>
+          </p:cNvCxnSpPr>
+          <p:nvPr/>
+        </p:nvCxnSpPr>
+        <p:spPr>
+          <a:xfrm flipH="1" rot="10800000">
+            <a:off x="4571989" y="4222600"/>
+            <a:ext cx="770100" cy="16500"/>
+          </a:xfrm>
+          <a:prstGeom prst="straightConnector1">
+            <a:avLst/>
+          </a:prstGeom>
+          <a:noFill/>
+          <a:ln cap="flat" cmpd="sng" w="9525">
+            <a:solidFill>
+              <a:schemeClr val="dk2"/>
+            </a:solidFill>
+            <a:prstDash val="solid"/>
+            <a:round/>
+            <a:headEnd len="med" w="med" type="none"/>
+            <a:tailEnd len="med" w="med" type="triangle"/>
+          </a:ln>
+        </p:spPr>
+      </p:cxnSp>
+      <p:sp>
+        <p:nvSpPr>
+          <p:cNvPr id="246" name="Google Shape;246;p31"/>
+          <p:cNvSpPr txBox="1"/>
+          <p:nvPr/>
+        </p:nvSpPr>
+        <p:spPr>
+          <a:xfrm>
+            <a:off x="2948225" y="3811100"/>
+            <a:ext cx="652800" cy="408300"/>
+          </a:xfrm>
+          <a:prstGeom prst="rect">
+            <a:avLst/>
+          </a:prstGeom>
+          <a:noFill/>
+          <a:ln>
+            <a:noFill/>
+          </a:ln>
+        </p:spPr>
+        <p:txBody>
+          <a:bodyPr anchorCtr="0" anchor="t" bIns="91425" lIns="91425" spcFirstLastPara="1" rIns="91425" wrap="square" tIns="91425">
+            <a:noAutofit/>
+          </a:bodyPr>
+          <a:lstStyle/>
+          <a:p>
+            <a:pPr indent="0" lvl="0" marL="0" rtl="0" algn="l">
+              <a:spcBef>
+                <a:spcPts val="0"/>
+              </a:spcBef>
+              <a:spcAft>
+                <a:spcPts val="0"/>
+              </a:spcAft>
+              <a:buNone/>
+            </a:pPr>
+            <a:r>
+              <a:rPr b="1" lang="en-GB" sz="1000">
+                <a:solidFill>
+                  <a:srgbClr val="1155CC"/>
+                </a:solidFill>
+              </a:rPr>
+              <a:t>HTTPS POST</a:t>
+            </a:r>
+            <a:endParaRPr b="1" sz="1000">
+              <a:solidFill>
+                <a:srgbClr val="1155CC"/>
+              </a:solidFill>
+            </a:endParaRPr>
+          </a:p>
+        </p:txBody>
+      </p:sp>
+      <p:sp>
+        <p:nvSpPr>
+          <p:cNvPr id="247" name="Google Shape;247;p31"/>
+          <p:cNvSpPr txBox="1"/>
+          <p:nvPr/>
+        </p:nvSpPr>
+        <p:spPr>
+          <a:xfrm>
+            <a:off x="4638875" y="3893625"/>
+            <a:ext cx="636300" cy="325200"/>
+          </a:xfrm>
+          <a:prstGeom prst="rect">
+            <a:avLst/>
+          </a:prstGeom>
+          <a:noFill/>
+          <a:ln>
+            <a:noFill/>
+          </a:ln>
+        </p:spPr>
+        <p:txBody>
+          <a:bodyPr anchorCtr="0" anchor="t" bIns="91425" lIns="91425" spcFirstLastPara="1" rIns="91425" wrap="square" tIns="91425">
+            <a:noAutofit/>
+          </a:bodyPr>
+          <a:lstStyle/>
+          <a:p>
+            <a:pPr indent="0" lvl="0" marL="0" rtl="0" algn="l">
+              <a:spcBef>
+                <a:spcPts val="0"/>
+              </a:spcBef>
+              <a:spcAft>
+                <a:spcPts val="0"/>
+              </a:spcAft>
+              <a:buNone/>
+            </a:pPr>
+            <a:r>
+              <a:rPr b="1" lang="en-GB" sz="1000"/>
+              <a:t>trigger</a:t>
+            </a:r>
+            <a:endParaRPr b="1" sz="1000"/>
+          </a:p>
+        </p:txBody>
+      </p:sp>
+      <p:sp>
+        <p:nvSpPr>
+          <p:cNvPr id="248" name="Google Shape;248;p31"/>
+          <p:cNvSpPr txBox="1"/>
+          <p:nvPr/>
+        </p:nvSpPr>
+        <p:spPr>
+          <a:xfrm>
+            <a:off x="2948225" y="4629075"/>
+            <a:ext cx="509700" cy="408300"/>
+          </a:xfrm>
+          <a:prstGeom prst="rect">
+            <a:avLst/>
+          </a:prstGeom>
+          <a:noFill/>
+          <a:ln>
+            <a:noFill/>
+          </a:ln>
+        </p:spPr>
+        <p:txBody>
+          <a:bodyPr anchorCtr="0" anchor="t" bIns="91425" lIns="91425" spcFirstLastPara="1" rIns="91425" wrap="square" tIns="91425">
+            <a:noAutofit/>
+          </a:bodyPr>
+          <a:lstStyle/>
+          <a:p>
+            <a:pPr indent="0" lvl="0" marL="0" rtl="0" algn="ctr">
+              <a:spcBef>
+                <a:spcPts val="0"/>
+              </a:spcBef>
+              <a:spcAft>
+                <a:spcPts val="0"/>
+              </a:spcAft>
+              <a:buNone/>
+            </a:pPr>
+            <a:r>
+              <a:rPr b="1" lang="en-GB" sz="1800"/>
+              <a:t>if</a:t>
+            </a:r>
+            <a:endParaRPr b="1" sz="1800"/>
+          </a:p>
+        </p:txBody>
+      </p:sp>
+      <p:sp>
+        <p:nvSpPr>
+          <p:cNvPr id="249" name="Google Shape;249;p31"/>
+          <p:cNvSpPr txBox="1"/>
+          <p:nvPr/>
+        </p:nvSpPr>
+        <p:spPr>
+          <a:xfrm>
+            <a:off x="4604975" y="4629075"/>
+            <a:ext cx="704100" cy="408300"/>
+          </a:xfrm>
+          <a:prstGeom prst="rect">
+            <a:avLst/>
+          </a:prstGeom>
+          <a:noFill/>
+          <a:ln>
+            <a:noFill/>
+          </a:ln>
+        </p:spPr>
+        <p:txBody>
+          <a:bodyPr anchorCtr="0" anchor="t" bIns="91425" lIns="91425" spcFirstLastPara="1" rIns="91425" wrap="square" tIns="91425">
+            <a:noAutofit/>
+          </a:bodyPr>
+          <a:lstStyle/>
+          <a:p>
+            <a:pPr indent="0" lvl="0" marL="0" rtl="0" algn="ctr">
+              <a:spcBef>
+                <a:spcPts val="0"/>
+              </a:spcBef>
+              <a:spcAft>
+                <a:spcPts val="0"/>
+              </a:spcAft>
+              <a:buNone/>
+            </a:pPr>
+            <a:r>
+              <a:rPr b="1" lang="en-GB" sz="1800"/>
+              <a:t>then</a:t>
+            </a:r>
+            <a:endParaRPr b="1" sz="1800"/>
+          </a:p>
+        </p:txBody>
+      </p:sp>
+    </p:spTree>
+  </p:cSld>
+  <p:clrMapOvr>
+    <a:masterClrMapping/>
+  </p:clrMapOvr>
+</p:sld>
+</file>
+
+<file path=ppt/slides/slide18.xml><?xml version="1.0" encoding="utf-8"?>
+<p:sld xmlns:a="http://schemas.openxmlformats.org/drawingml/2006/main" xmlns:r="http://schemas.openxmlformats.org/officeDocument/2006/relationships" xmlns:mc="http://schemas.openxmlformats.org/markup-compatibility/2006" xmlns:mv="urn:schemas-microsoft-com:mac:vml" xmlns:p="http://schemas.openxmlformats.org/presentationml/2006/main" xmlns:c="http://schemas.openxmlformats.org/drawingml/2006/chart" xmlns:dgm="http://schemas.openxmlformats.org/drawingml/2006/diagram" xmlns:o="urn:schemas-microsoft-com:office:office" xmlns:v="urn:schemas-microsoft-com:vml" xmlns:pvml="urn:schemas-microsoft-com:office:powerpoint" xmlns:com="http://schemas.openxmlformats.org/drawingml/2006/compatibility" xmlns:p14="http://schemas.microsoft.com/office/powerpoint/2010/main" xmlns:p15="http://schemas.microsoft.com/office/powerpoint/2012/main">
+  <p:cSld>
+    <p:spTree>
+      <p:nvGrpSpPr>
+        <p:cNvPr id="253" name="Shape 253"/>
+        <p:cNvGrpSpPr/>
+        <p:nvPr/>
+      </p:nvGrpSpPr>
+      <p:grpSpPr>
+        <a:xfrm>
+          <a:off x="0" y="0"/>
+          <a:ext cx="0" cy="0"/>
+          <a:chOff x="0" y="0"/>
+          <a:chExt cx="0" cy="0"/>
+        </a:xfrm>
+      </p:grpSpPr>
+      <p:sp>
+        <p:nvSpPr>
+          <p:cNvPr id="254" name="Google Shape;254;p32"/>
+          <p:cNvSpPr txBox="1"/>
+          <p:nvPr>
+            <p:ph type="title"/>
+          </p:nvPr>
+        </p:nvSpPr>
+        <p:spPr>
+          <a:xfrm>
+            <a:off x="1447800" y="0"/>
+            <a:ext cx="6172200" cy="628500"/>
+          </a:xfrm>
+          <a:prstGeom prst="rect">
+            <a:avLst/>
+          </a:prstGeom>
+        </p:spPr>
+        <p:txBody>
+          <a:bodyPr anchorCtr="0" anchor="ctr" bIns="46025" lIns="92075" spcFirstLastPara="1" rIns="92075" wrap="square" tIns="46025">
+            <a:noAutofit/>
+          </a:bodyPr>
+          <a:lstStyle/>
+          <a:p>
+            <a:pPr indent="0" lvl="0" marL="0" rtl="0" algn="ctr">
+              <a:spcBef>
+                <a:spcPts val="0"/>
+              </a:spcBef>
+              <a:spcAft>
+                <a:spcPts val="0"/>
+              </a:spcAft>
+              <a:buNone/>
+            </a:pPr>
+            <a:r>
+              <a:rPr lang="en-GB"/>
               <a:t>Demo 1</a:t>
             </a:r>
             <a:endParaRPr/>
@@ -19881,7 +20889,7 @@
       </p:sp>
       <p:sp>
         <p:nvSpPr>
-          <p:cNvPr id="229" name="Google Shape;229;p30"/>
+          <p:cNvPr id="255" name="Google Shape;255;p32"/>
           <p:cNvSpPr txBox="1"/>
           <p:nvPr/>
         </p:nvSpPr>
@@ -19934,12 +20942,12 @@
 </p:sld>
 </file>
 
-<file path=ppt/slides/slide17.xml><?xml version="1.0" encoding="utf-8"?>
+<file path=ppt/slides/slide19.xml><?xml version="1.0" encoding="utf-8"?>
 <p:sld xmlns:a="http://schemas.openxmlformats.org/drawingml/2006/main" xmlns:r="http://schemas.openxmlformats.org/officeDocument/2006/relationships" xmlns:mc="http://schemas.openxmlformats.org/markup-compatibility/2006" xmlns:mv="urn:schemas-microsoft-com:mac:vml" xmlns:p="http://schemas.openxmlformats.org/presentationml/2006/main" xmlns:c="http://schemas.openxmlformats.org/drawingml/2006/chart" xmlns:dgm="http://schemas.openxmlformats.org/drawingml/2006/diagram" xmlns:o="urn:schemas-microsoft-com:office:office" xmlns:v="urn:schemas-microsoft-com:vml" xmlns:pvml="urn:schemas-microsoft-com:office:powerpoint" xmlns:com="http://schemas.openxmlformats.org/drawingml/2006/compatibility" xmlns:p14="http://schemas.microsoft.com/office/powerpoint/2010/main" xmlns:p15="http://schemas.microsoft.com/office/powerpoint/2012/main">
   <p:cSld>
     <p:spTree>
       <p:nvGrpSpPr>
-        <p:cNvPr id="233" name="Shape 233"/>
+        <p:cNvPr id="259" name="Shape 259"/>
         <p:cNvGrpSpPr/>
         <p:nvPr/>
       </p:nvGrpSpPr>
@@ -19953,7 +20961,7 @@
       </p:grpSpPr>
       <p:sp>
         <p:nvSpPr>
-          <p:cNvPr id="234" name="Google Shape;234;p31"/>
+          <p:cNvPr id="260" name="Google Shape;260;p33"/>
           <p:cNvSpPr txBox="1"/>
           <p:nvPr>
             <p:ph type="title"/>
@@ -19993,7 +21001,7 @@
       </p:sp>
       <p:sp>
         <p:nvSpPr>
-          <p:cNvPr id="235" name="Google Shape;235;p31"/>
+          <p:cNvPr id="261" name="Google Shape;261;p33"/>
           <p:cNvSpPr txBox="1"/>
           <p:nvPr>
             <p:ph idx="1" type="body"/>
@@ -20260,6 +21268,23 @@
             <a:r>
               <a:rPr lang="en-GB" sz="2000"/>
               <a:t>DynamoDB</a:t>
+            </a:r>
+            <a:endParaRPr sz="2000"/>
+          </a:p>
+          <a:p>
+            <a:pPr indent="-355600" lvl="1" marL="914400" rtl="0" algn="l">
+              <a:spcBef>
+                <a:spcPts val="0"/>
+              </a:spcBef>
+              <a:spcAft>
+                <a:spcPts val="0"/>
+              </a:spcAft>
+              <a:buSzPts val="2000"/>
+              <a:buAutoNum type="alphaLcPeriod"/>
+            </a:pPr>
+            <a:r>
+              <a:rPr lang="en-GB" sz="2000"/>
+              <a:t>IFTTT</a:t>
             </a:r>
             <a:endParaRPr sz="2000"/>
           </a:p>
@@ -22437,6 +23462,285 @@
 </file>
 
 <file path=ppt/theme/theme1.xml><?xml version="1.0" encoding="utf-8"?>
+<a:theme xmlns:a="http://schemas.openxmlformats.org/drawingml/2006/main" xmlns:r="http://schemas.openxmlformats.org/officeDocument/2006/relationships" name="ISIS">
+  <a:themeElements>
+    <a:clrScheme name="ISIS 4">
+      <a:dk1>
+        <a:srgbClr val="000000"/>
+      </a:dk1>
+      <a:lt1>
+        <a:srgbClr val="FFFFFF"/>
+      </a:lt1>
+      <a:dk2>
+        <a:srgbClr val="000000"/>
+      </a:dk2>
+      <a:lt2>
+        <a:srgbClr val="5F5F5F"/>
+      </a:lt2>
+      <a:accent1>
+        <a:srgbClr val="FFFFFF"/>
+      </a:accent1>
+      <a:accent2>
+        <a:srgbClr val="CC3300"/>
+      </a:accent2>
+      <a:accent3>
+        <a:srgbClr val="FFFFFF"/>
+      </a:accent3>
+      <a:accent4>
+        <a:srgbClr val="000000"/>
+      </a:accent4>
+      <a:accent5>
+        <a:srgbClr val="FFFFFF"/>
+      </a:accent5>
+      <a:accent6>
+        <a:srgbClr val="B92D00"/>
+      </a:accent6>
+      <a:hlink>
+        <a:srgbClr val="CC9900"/>
+      </a:hlink>
+      <a:folHlink>
+        <a:srgbClr val="FF9900"/>
+      </a:folHlink>
+    </a:clrScheme>
+    <a:fontScheme name="Office">
+      <a:majorFont>
+        <a:latin typeface="Arial"/>
+        <a:ea typeface=""/>
+        <a:cs typeface=""/>
+        <a:font script="Jpan" typeface="ＭＳ Ｐゴシック"/>
+        <a:font script="Hang" typeface="맑은 고딕"/>
+        <a:font script="Hans" typeface="宋体"/>
+        <a:font script="Hant" typeface="新細明體"/>
+        <a:font script="Arab" typeface="Times New Roman"/>
+        <a:font script="Hebr" typeface="Times New Roman"/>
+        <a:font script="Thai" typeface="Angsana New"/>
+        <a:font script="Ethi" typeface="Nyala"/>
+        <a:font script="Beng" typeface="Vrinda"/>
+        <a:font script="Gujr" typeface="Shruti"/>
+        <a:font script="Khmr" typeface="MoolBoran"/>
+        <a:font script="Knda" typeface="Tunga"/>
+        <a:font script="Guru" typeface="Raavi"/>
+        <a:font script="Cans" typeface="Euphemia"/>
+        <a:font script="Cher" typeface="Plantagenet Cherokee"/>
+        <a:font script="Yiii" typeface="Microsoft Yi Baiti"/>
+        <a:font script="Tibt" typeface="Microsoft Himalaya"/>
+        <a:font script="Thaa" typeface="MV Boli"/>
+        <a:font script="Deva" typeface="Mangal"/>
+        <a:font script="Telu" typeface="Gautami"/>
+        <a:font script="Taml" typeface="Latha"/>
+        <a:font script="Syrc" typeface="Estrangelo Edessa"/>
+        <a:font script="Orya" typeface="Kalinga"/>
+        <a:font script="Mlym" typeface="Kartika"/>
+        <a:font script="Laoo" typeface="DokChampa"/>
+        <a:font script="Sinh" typeface="Iskoola Pota"/>
+        <a:font script="Mong" typeface="Mongolian Baiti"/>
+        <a:font script="Viet" typeface="Times New Roman"/>
+        <a:font script="Uigh" typeface="Microsoft Uighur"/>
+        <a:font script="Geor" typeface="Sylfaen"/>
+      </a:majorFont>
+      <a:minorFont>
+        <a:latin typeface="Arial"/>
+        <a:ea typeface=""/>
+        <a:cs typeface=""/>
+        <a:font script="Jpan" typeface="ＭＳ Ｐゴシック"/>
+        <a:font script="Hang" typeface="맑은 고딕"/>
+        <a:font script="Hans" typeface="宋体"/>
+        <a:font script="Hant" typeface="新細明體"/>
+        <a:font script="Arab" typeface="Arial"/>
+        <a:font script="Hebr" typeface="Arial"/>
+        <a:font script="Thai" typeface="Cordia New"/>
+        <a:font script="Ethi" typeface="Nyala"/>
+        <a:font script="Beng" typeface="Vrinda"/>
+        <a:font script="Gujr" typeface="Shruti"/>
+        <a:font script="Khmr" typeface="DaunPenh"/>
+        <a:font script="Knda" typeface="Tunga"/>
+        <a:font script="Guru" typeface="Raavi"/>
+        <a:font script="Cans" typeface="Euphemia"/>
+        <a:font script="Cher" typeface="Plantagenet Cherokee"/>
+        <a:font script="Yiii" typeface="Microsoft Yi Baiti"/>
+        <a:font script="Tibt" typeface="Microsoft Himalaya"/>
+        <a:font script="Thaa" typeface="MV Boli"/>
+        <a:font script="Deva" typeface="Mangal"/>
+        <a:font script="Telu" typeface="Gautami"/>
+        <a:font script="Taml" typeface="Latha"/>
+        <a:font script="Syrc" typeface="Estrangelo Edessa"/>
+        <a:font script="Orya" typeface="Kalinga"/>
+        <a:font script="Mlym" typeface="Kartika"/>
+        <a:font script="Laoo" typeface="DokChampa"/>
+        <a:font script="Sinh" typeface="Iskoola Pota"/>
+        <a:font script="Mong" typeface="Mongolian Baiti"/>
+        <a:font script="Viet" typeface="Arial"/>
+        <a:font script="Uigh" typeface="Microsoft Uighur"/>
+        <a:font script="Geor" typeface="Sylfaen"/>
+      </a:minorFont>
+    </a:fontScheme>
+    <a:fmtScheme name="Office">
+      <a:fillStyleLst>
+        <a:solidFill>
+          <a:schemeClr val="phClr"/>
+        </a:solidFill>
+        <a:gradFill rotWithShape="1">
+          <a:gsLst>
+            <a:gs pos="0">
+              <a:schemeClr val="phClr">
+                <a:tint val="50000"/>
+                <a:satMod val="300000"/>
+              </a:schemeClr>
+            </a:gs>
+            <a:gs pos="35000">
+              <a:schemeClr val="phClr">
+                <a:tint val="37000"/>
+                <a:satMod val="300000"/>
+              </a:schemeClr>
+            </a:gs>
+            <a:gs pos="100000">
+              <a:schemeClr val="phClr">
+                <a:tint val="15000"/>
+                <a:satMod val="350000"/>
+              </a:schemeClr>
+            </a:gs>
+          </a:gsLst>
+          <a:lin ang="16200000" scaled="1"/>
+        </a:gradFill>
+        <a:gradFill rotWithShape="1">
+          <a:gsLst>
+            <a:gs pos="0">
+              <a:schemeClr val="phClr">
+                <a:tint val="100000"/>
+                <a:shade val="100000"/>
+                <a:satMod val="130000"/>
+              </a:schemeClr>
+            </a:gs>
+            <a:gs pos="100000">
+              <a:schemeClr val="phClr">
+                <a:tint val="50000"/>
+                <a:shade val="100000"/>
+                <a:satMod val="350000"/>
+              </a:schemeClr>
+            </a:gs>
+          </a:gsLst>
+          <a:lin ang="16200000" scaled="0"/>
+        </a:gradFill>
+      </a:fillStyleLst>
+      <a:lnStyleLst>
+        <a:ln w="9525" cap="flat" cmpd="sng" algn="ctr">
+          <a:solidFill>
+            <a:schemeClr val="phClr">
+              <a:shade val="95000"/>
+              <a:satMod val="105000"/>
+            </a:schemeClr>
+          </a:solidFill>
+          <a:prstDash val="solid"/>
+        </a:ln>
+        <a:ln w="25400" cap="flat" cmpd="sng" algn="ctr">
+          <a:solidFill>
+            <a:schemeClr val="phClr"/>
+          </a:solidFill>
+          <a:prstDash val="solid"/>
+        </a:ln>
+        <a:ln w="38100" cap="flat" cmpd="sng" algn="ctr">
+          <a:solidFill>
+            <a:schemeClr val="phClr"/>
+          </a:solidFill>
+          <a:prstDash val="solid"/>
+        </a:ln>
+      </a:lnStyleLst>
+      <a:effectStyleLst>
+        <a:effectStyle>
+          <a:effectLst>
+            <a:outerShdw blurRad="40000" dist="20000" dir="5400000" rotWithShape="0">
+              <a:srgbClr val="000000">
+                <a:alpha val="38000"/>
+              </a:srgbClr>
+            </a:outerShdw>
+          </a:effectLst>
+        </a:effectStyle>
+        <a:effectStyle>
+          <a:effectLst>
+            <a:outerShdw blurRad="40000" dist="23000" dir="5400000" rotWithShape="0">
+              <a:srgbClr val="000000">
+                <a:alpha val="35000"/>
+              </a:srgbClr>
+            </a:outerShdw>
+          </a:effectLst>
+        </a:effectStyle>
+        <a:effectStyle>
+          <a:effectLst>
+            <a:outerShdw blurRad="40000" dist="23000" dir="5400000" rotWithShape="0">
+              <a:srgbClr val="000000">
+                <a:alpha val="35000"/>
+              </a:srgbClr>
+            </a:outerShdw>
+          </a:effectLst>
+          <a:scene3d>
+            <a:camera prst="orthographicFront">
+              <a:rot lat="0" lon="0" rev="0"/>
+            </a:camera>
+            <a:lightRig rig="threePt" dir="t">
+              <a:rot lat="0" lon="0" rev="1200000"/>
+            </a:lightRig>
+          </a:scene3d>
+          <a:sp3d>
+            <a:bevelT w="63500" h="25400"/>
+          </a:sp3d>
+        </a:effectStyle>
+      </a:effectStyleLst>
+      <a:bgFillStyleLst>
+        <a:solidFill>
+          <a:schemeClr val="phClr"/>
+        </a:solidFill>
+        <a:gradFill rotWithShape="1">
+          <a:gsLst>
+            <a:gs pos="0">
+              <a:schemeClr val="phClr">
+                <a:tint val="40000"/>
+                <a:satMod val="350000"/>
+              </a:schemeClr>
+            </a:gs>
+            <a:gs pos="40000">
+              <a:schemeClr val="phClr">
+                <a:tint val="45000"/>
+                <a:shade val="99000"/>
+                <a:satMod val="350000"/>
+              </a:schemeClr>
+            </a:gs>
+            <a:gs pos="100000">
+              <a:schemeClr val="phClr">
+                <a:shade val="20000"/>
+                <a:satMod val="255000"/>
+              </a:schemeClr>
+            </a:gs>
+          </a:gsLst>
+          <a:path path="circle">
+            <a:fillToRect l="50000" t="-80000" r="50000" b="180000"/>
+          </a:path>
+        </a:gradFill>
+        <a:gradFill rotWithShape="1">
+          <a:gsLst>
+            <a:gs pos="0">
+              <a:schemeClr val="phClr">
+                <a:tint val="80000"/>
+                <a:satMod val="300000"/>
+              </a:schemeClr>
+            </a:gs>
+            <a:gs pos="100000">
+              <a:schemeClr val="phClr">
+                <a:shade val="30000"/>
+                <a:satMod val="200000"/>
+              </a:schemeClr>
+            </a:gs>
+          </a:gsLst>
+          <a:path path="circle">
+            <a:fillToRect l="50000" t="50000" r="50000" b="50000"/>
+          </a:path>
+        </a:gradFill>
+      </a:bgFillStyleLst>
+    </a:fmtScheme>
+  </a:themeElements>
+</a:theme>
+</file>
+
+<file path=ppt/theme/theme2.xml><?xml version="1.0" encoding="utf-8"?>
 <a:theme xmlns:a="http://schemas.openxmlformats.org/drawingml/2006/main" xmlns:r="http://schemas.openxmlformats.org/officeDocument/2006/relationships">
   <a:themeElements>
     <a:clrScheme name="Default">
@@ -22713,283 +24017,4 @@
     </a:fmtScheme>
   </a:themeElements>
 </a:theme>
-</file>
-
-<file path=ppt/theme/theme2.xml><?xml version="1.0" encoding="utf-8"?>
-<a:theme xmlns:a="http://schemas.openxmlformats.org/drawingml/2006/main" xmlns:r="http://schemas.openxmlformats.org/officeDocument/2006/relationships" name="ISIS">
-  <a:themeElements>
-    <a:clrScheme name="ISIS 4">
-      <a:dk1>
-        <a:srgbClr val="000000"/>
-      </a:dk1>
-      <a:lt1>
-        <a:srgbClr val="FFFFFF"/>
-      </a:lt1>
-      <a:dk2>
-        <a:srgbClr val="000000"/>
-      </a:dk2>
-      <a:lt2>
-        <a:srgbClr val="5F5F5F"/>
-      </a:lt2>
-      <a:accent1>
-        <a:srgbClr val="FFFFFF"/>
-      </a:accent1>
-      <a:accent2>
-        <a:srgbClr val="CC3300"/>
-      </a:accent2>
-      <a:accent3>
-        <a:srgbClr val="FFFFFF"/>
-      </a:accent3>
-      <a:accent4>
-        <a:srgbClr val="000000"/>
-      </a:accent4>
-      <a:accent5>
-        <a:srgbClr val="FFFFFF"/>
-      </a:accent5>
-      <a:accent6>
-        <a:srgbClr val="B92D00"/>
-      </a:accent6>
-      <a:hlink>
-        <a:srgbClr val="CC9900"/>
-      </a:hlink>
-      <a:folHlink>
-        <a:srgbClr val="FF9900"/>
-      </a:folHlink>
-    </a:clrScheme>
-    <a:fontScheme name="Office">
-      <a:majorFont>
-        <a:latin typeface="Arial"/>
-        <a:ea typeface=""/>
-        <a:cs typeface=""/>
-        <a:font script="Jpan" typeface="ＭＳ Ｐゴシック"/>
-        <a:font script="Hang" typeface="맑은 고딕"/>
-        <a:font script="Hans" typeface="宋体"/>
-        <a:font script="Hant" typeface="新細明體"/>
-        <a:font script="Arab" typeface="Times New Roman"/>
-        <a:font script="Hebr" typeface="Times New Roman"/>
-        <a:font script="Thai" typeface="Angsana New"/>
-        <a:font script="Ethi" typeface="Nyala"/>
-        <a:font script="Beng" typeface="Vrinda"/>
-        <a:font script="Gujr" typeface="Shruti"/>
-        <a:font script="Khmr" typeface="MoolBoran"/>
-        <a:font script="Knda" typeface="Tunga"/>
-        <a:font script="Guru" typeface="Raavi"/>
-        <a:font script="Cans" typeface="Euphemia"/>
-        <a:font script="Cher" typeface="Plantagenet Cherokee"/>
-        <a:font script="Yiii" typeface="Microsoft Yi Baiti"/>
-        <a:font script="Tibt" typeface="Microsoft Himalaya"/>
-        <a:font script="Thaa" typeface="MV Boli"/>
-        <a:font script="Deva" typeface="Mangal"/>
-        <a:font script="Telu" typeface="Gautami"/>
-        <a:font script="Taml" typeface="Latha"/>
-        <a:font script="Syrc" typeface="Estrangelo Edessa"/>
-        <a:font script="Orya" typeface="Kalinga"/>
-        <a:font script="Mlym" typeface="Kartika"/>
-        <a:font script="Laoo" typeface="DokChampa"/>
-        <a:font script="Sinh" typeface="Iskoola Pota"/>
-        <a:font script="Mong" typeface="Mongolian Baiti"/>
-        <a:font script="Viet" typeface="Times New Roman"/>
-        <a:font script="Uigh" typeface="Microsoft Uighur"/>
-        <a:font script="Geor" typeface="Sylfaen"/>
-      </a:majorFont>
-      <a:minorFont>
-        <a:latin typeface="Arial"/>
-        <a:ea typeface=""/>
-        <a:cs typeface=""/>
-        <a:font script="Jpan" typeface="ＭＳ Ｐゴシック"/>
-        <a:font script="Hang" typeface="맑은 고딕"/>
-        <a:font script="Hans" typeface="宋体"/>
-        <a:font script="Hant" typeface="新細明體"/>
-        <a:font script="Arab" typeface="Arial"/>
-        <a:font script="Hebr" typeface="Arial"/>
-        <a:font script="Thai" typeface="Cordia New"/>
-        <a:font script="Ethi" typeface="Nyala"/>
-        <a:font script="Beng" typeface="Vrinda"/>
-        <a:font script="Gujr" typeface="Shruti"/>
-        <a:font script="Khmr" typeface="DaunPenh"/>
-        <a:font script="Knda" typeface="Tunga"/>
-        <a:font script="Guru" typeface="Raavi"/>
-        <a:font script="Cans" typeface="Euphemia"/>
-        <a:font script="Cher" typeface="Plantagenet Cherokee"/>
-        <a:font script="Yiii" typeface="Microsoft Yi Baiti"/>
-        <a:font script="Tibt" typeface="Microsoft Himalaya"/>
-        <a:font script="Thaa" typeface="MV Boli"/>
-        <a:font script="Deva" typeface="Mangal"/>
-        <a:font script="Telu" typeface="Gautami"/>
-        <a:font script="Taml" typeface="Latha"/>
-        <a:font script="Syrc" typeface="Estrangelo Edessa"/>
-        <a:font script="Orya" typeface="Kalinga"/>
-        <a:font script="Mlym" typeface="Kartika"/>
-        <a:font script="Laoo" typeface="DokChampa"/>
-        <a:font script="Sinh" typeface="Iskoola Pota"/>
-        <a:font script="Mong" typeface="Mongolian Baiti"/>
-        <a:font script="Viet" typeface="Arial"/>
-        <a:font script="Uigh" typeface="Microsoft Uighur"/>
-        <a:font script="Geor" typeface="Sylfaen"/>
-      </a:minorFont>
-    </a:fontScheme>
-    <a:fmtScheme name="Office">
-      <a:fillStyleLst>
-        <a:solidFill>
-          <a:schemeClr val="phClr"/>
-        </a:solidFill>
-        <a:gradFill rotWithShape="1">
-          <a:gsLst>
-            <a:gs pos="0">
-              <a:schemeClr val="phClr">
-                <a:tint val="50000"/>
-                <a:satMod val="300000"/>
-              </a:schemeClr>
-            </a:gs>
-            <a:gs pos="35000">
-              <a:schemeClr val="phClr">
-                <a:tint val="37000"/>
-                <a:satMod val="300000"/>
-              </a:schemeClr>
-            </a:gs>
-            <a:gs pos="100000">
-              <a:schemeClr val="phClr">
-                <a:tint val="15000"/>
-                <a:satMod val="350000"/>
-              </a:schemeClr>
-            </a:gs>
-          </a:gsLst>
-          <a:lin ang="16200000" scaled="1"/>
-        </a:gradFill>
-        <a:gradFill rotWithShape="1">
-          <a:gsLst>
-            <a:gs pos="0">
-              <a:schemeClr val="phClr">
-                <a:tint val="100000"/>
-                <a:shade val="100000"/>
-                <a:satMod val="130000"/>
-              </a:schemeClr>
-            </a:gs>
-            <a:gs pos="100000">
-              <a:schemeClr val="phClr">
-                <a:tint val="50000"/>
-                <a:shade val="100000"/>
-                <a:satMod val="350000"/>
-              </a:schemeClr>
-            </a:gs>
-          </a:gsLst>
-          <a:lin ang="16200000" scaled="0"/>
-        </a:gradFill>
-      </a:fillStyleLst>
-      <a:lnStyleLst>
-        <a:ln w="9525" cap="flat" cmpd="sng" algn="ctr">
-          <a:solidFill>
-            <a:schemeClr val="phClr">
-              <a:shade val="95000"/>
-              <a:satMod val="105000"/>
-            </a:schemeClr>
-          </a:solidFill>
-          <a:prstDash val="solid"/>
-        </a:ln>
-        <a:ln w="25400" cap="flat" cmpd="sng" algn="ctr">
-          <a:solidFill>
-            <a:schemeClr val="phClr"/>
-          </a:solidFill>
-          <a:prstDash val="solid"/>
-        </a:ln>
-        <a:ln w="38100" cap="flat" cmpd="sng" algn="ctr">
-          <a:solidFill>
-            <a:schemeClr val="phClr"/>
-          </a:solidFill>
-          <a:prstDash val="solid"/>
-        </a:ln>
-      </a:lnStyleLst>
-      <a:effectStyleLst>
-        <a:effectStyle>
-          <a:effectLst>
-            <a:outerShdw blurRad="40000" dist="20000" dir="5400000" rotWithShape="0">
-              <a:srgbClr val="000000">
-                <a:alpha val="38000"/>
-              </a:srgbClr>
-            </a:outerShdw>
-          </a:effectLst>
-        </a:effectStyle>
-        <a:effectStyle>
-          <a:effectLst>
-            <a:outerShdw blurRad="40000" dist="23000" dir="5400000" rotWithShape="0">
-              <a:srgbClr val="000000">
-                <a:alpha val="35000"/>
-              </a:srgbClr>
-            </a:outerShdw>
-          </a:effectLst>
-        </a:effectStyle>
-        <a:effectStyle>
-          <a:effectLst>
-            <a:outerShdw blurRad="40000" dist="23000" dir="5400000" rotWithShape="0">
-              <a:srgbClr val="000000">
-                <a:alpha val="35000"/>
-              </a:srgbClr>
-            </a:outerShdw>
-          </a:effectLst>
-          <a:scene3d>
-            <a:camera prst="orthographicFront">
-              <a:rot lat="0" lon="0" rev="0"/>
-            </a:camera>
-            <a:lightRig rig="threePt" dir="t">
-              <a:rot lat="0" lon="0" rev="1200000"/>
-            </a:lightRig>
-          </a:scene3d>
-          <a:sp3d>
-            <a:bevelT w="63500" h="25400"/>
-          </a:sp3d>
-        </a:effectStyle>
-      </a:effectStyleLst>
-      <a:bgFillStyleLst>
-        <a:solidFill>
-          <a:schemeClr val="phClr"/>
-        </a:solidFill>
-        <a:gradFill rotWithShape="1">
-          <a:gsLst>
-            <a:gs pos="0">
-              <a:schemeClr val="phClr">
-                <a:tint val="40000"/>
-                <a:satMod val="350000"/>
-              </a:schemeClr>
-            </a:gs>
-            <a:gs pos="40000">
-              <a:schemeClr val="phClr">
-                <a:tint val="45000"/>
-                <a:shade val="99000"/>
-                <a:satMod val="350000"/>
-              </a:schemeClr>
-            </a:gs>
-            <a:gs pos="100000">
-              <a:schemeClr val="phClr">
-                <a:shade val="20000"/>
-                <a:satMod val="255000"/>
-              </a:schemeClr>
-            </a:gs>
-          </a:gsLst>
-          <a:path path="circle">
-            <a:fillToRect l="50000" t="-80000" r="50000" b="180000"/>
-          </a:path>
-        </a:gradFill>
-        <a:gradFill rotWithShape="1">
-          <a:gsLst>
-            <a:gs pos="0">
-              <a:schemeClr val="phClr">
-                <a:tint val="80000"/>
-                <a:satMod val="300000"/>
-              </a:schemeClr>
-            </a:gs>
-            <a:gs pos="100000">
-              <a:schemeClr val="phClr">
-                <a:shade val="30000"/>
-                <a:satMod val="200000"/>
-              </a:schemeClr>
-            </a:gs>
-          </a:gsLst>
-          <a:path path="circle">
-            <a:fillToRect l="50000" t="50000" r="50000" b="50000"/>
-          </a:path>
-        </a:gradFill>
-      </a:bgFillStyleLst>
-    </a:fmtScheme>
-  </a:themeElements>
-</a:theme>
 </file>